--- a/00_Tutorial PPTs/Vivado_lab5_2_driver_module.pptx
+++ b/00_Tutorial PPTs/Vivado_lab5_2_driver_module.pptx
@@ -205,7 +205,7 @@
           <a:p>
             <a:fld id="{CE109047-AA94-4765-BB78-0173393F5DAE}" type="datetimeFigureOut">
               <a:rPr lang="zh-TW" altLang="en-US" smtClean="0"/>
-              <a:t>2019/6/12</a:t>
+              <a:t>2019/6/20</a:t>
             </a:fld>
             <a:endParaRPr lang="zh-TW" altLang="en-US"/>
           </a:p>
@@ -269,38 +269,37 @@
           <a:p>
             <a:pPr lvl="0"/>
             <a:r>
-              <a:rPr lang="zh-TW" altLang="en-US" smtClean="0"/>
+              <a:rPr lang="zh-TW" altLang="en-US"/>
               <a:t>編輯母片文字樣式</a:t>
             </a:r>
           </a:p>
           <a:p>
             <a:pPr lvl="1"/>
             <a:r>
-              <a:rPr lang="zh-TW" altLang="en-US" smtClean="0"/>
+              <a:rPr lang="zh-TW" altLang="en-US"/>
               <a:t>第二層</a:t>
             </a:r>
           </a:p>
           <a:p>
             <a:pPr lvl="2"/>
             <a:r>
-              <a:rPr lang="zh-TW" altLang="en-US" smtClean="0"/>
+              <a:rPr lang="zh-TW" altLang="en-US"/>
               <a:t>第三層</a:t>
             </a:r>
           </a:p>
           <a:p>
             <a:pPr lvl="3"/>
             <a:r>
-              <a:rPr lang="zh-TW" altLang="en-US" smtClean="0"/>
+              <a:rPr lang="zh-TW" altLang="en-US"/>
               <a:t>第四層</a:t>
             </a:r>
           </a:p>
           <a:p>
             <a:pPr lvl="4"/>
             <a:r>
-              <a:rPr lang="zh-TW" altLang="en-US" smtClean="0"/>
+              <a:rPr lang="zh-TW" altLang="en-US"/>
               <a:t>第五層</a:t>
             </a:r>
-            <a:endParaRPr lang="zh-TW" altLang="en-US"/>
           </a:p>
         </p:txBody>
       </p:sp>
@@ -620,7 +619,7 @@
           <a:p>
             <a:fld id="{9CC5B424-288B-4337-9F80-84337103EB4C}" type="datetimeFigureOut">
               <a:rPr lang="zh-TW" altLang="en-US" smtClean="0"/>
-              <a:t>2019/6/12</a:t>
+              <a:t>2019/6/20</a:t>
             </a:fld>
             <a:endParaRPr lang="zh-TW" altLang="en-US"/>
           </a:p>
@@ -818,7 +817,7 @@
           <a:p>
             <a:fld id="{9CC5B424-288B-4337-9F80-84337103EB4C}" type="datetimeFigureOut">
               <a:rPr lang="zh-TW" altLang="en-US" smtClean="0"/>
-              <a:t>2019/6/12</a:t>
+              <a:t>2019/6/20</a:t>
             </a:fld>
             <a:endParaRPr lang="zh-TW" altLang="en-US"/>
           </a:p>
@@ -1026,7 +1025,7 @@
           <a:p>
             <a:fld id="{9CC5B424-288B-4337-9F80-84337103EB4C}" type="datetimeFigureOut">
               <a:rPr lang="zh-TW" altLang="en-US" smtClean="0"/>
-              <a:t>2019/6/12</a:t>
+              <a:t>2019/6/20</a:t>
             </a:fld>
             <a:endParaRPr lang="zh-TW" altLang="en-US"/>
           </a:p>
@@ -1224,7 +1223,7 @@
           <a:p>
             <a:fld id="{9CC5B424-288B-4337-9F80-84337103EB4C}" type="datetimeFigureOut">
               <a:rPr lang="zh-TW" altLang="en-US" smtClean="0"/>
-              <a:t>2019/6/12</a:t>
+              <a:t>2019/6/20</a:t>
             </a:fld>
             <a:endParaRPr lang="zh-TW" altLang="en-US"/>
           </a:p>
@@ -1499,7 +1498,7 @@
           <a:p>
             <a:fld id="{9CC5B424-288B-4337-9F80-84337103EB4C}" type="datetimeFigureOut">
               <a:rPr lang="zh-TW" altLang="en-US" smtClean="0"/>
-              <a:t>2019/6/12</a:t>
+              <a:t>2019/6/20</a:t>
             </a:fld>
             <a:endParaRPr lang="zh-TW" altLang="en-US"/>
           </a:p>
@@ -1764,7 +1763,7 @@
           <a:p>
             <a:fld id="{9CC5B424-288B-4337-9F80-84337103EB4C}" type="datetimeFigureOut">
               <a:rPr lang="zh-TW" altLang="en-US" smtClean="0"/>
-              <a:t>2019/6/12</a:t>
+              <a:t>2019/6/20</a:t>
             </a:fld>
             <a:endParaRPr lang="zh-TW" altLang="en-US"/>
           </a:p>
@@ -2176,7 +2175,7 @@
           <a:p>
             <a:fld id="{9CC5B424-288B-4337-9F80-84337103EB4C}" type="datetimeFigureOut">
               <a:rPr lang="zh-TW" altLang="en-US" smtClean="0"/>
-              <a:t>2019/6/12</a:t>
+              <a:t>2019/6/20</a:t>
             </a:fld>
             <a:endParaRPr lang="zh-TW" altLang="en-US"/>
           </a:p>
@@ -2317,7 +2316,7 @@
           <a:p>
             <a:fld id="{9CC5B424-288B-4337-9F80-84337103EB4C}" type="datetimeFigureOut">
               <a:rPr lang="zh-TW" altLang="en-US" smtClean="0"/>
-              <a:t>2019/6/12</a:t>
+              <a:t>2019/6/20</a:t>
             </a:fld>
             <a:endParaRPr lang="zh-TW" altLang="en-US"/>
           </a:p>
@@ -2430,7 +2429,7 @@
           <a:p>
             <a:fld id="{9CC5B424-288B-4337-9F80-84337103EB4C}" type="datetimeFigureOut">
               <a:rPr lang="zh-TW" altLang="en-US" smtClean="0"/>
-              <a:t>2019/6/12</a:t>
+              <a:t>2019/6/20</a:t>
             </a:fld>
             <a:endParaRPr lang="zh-TW" altLang="en-US"/>
           </a:p>
@@ -2741,7 +2740,7 @@
           <a:p>
             <a:fld id="{9CC5B424-288B-4337-9F80-84337103EB4C}" type="datetimeFigureOut">
               <a:rPr lang="zh-TW" altLang="en-US" smtClean="0"/>
-              <a:t>2019/6/12</a:t>
+              <a:t>2019/6/20</a:t>
             </a:fld>
             <a:endParaRPr lang="zh-TW" altLang="en-US"/>
           </a:p>
@@ -3029,7 +3028,7 @@
           <a:p>
             <a:fld id="{9CC5B424-288B-4337-9F80-84337103EB4C}" type="datetimeFigureOut">
               <a:rPr lang="zh-TW" altLang="en-US" smtClean="0"/>
-              <a:t>2019/6/12</a:t>
+              <a:t>2019/6/20</a:t>
             </a:fld>
             <a:endParaRPr lang="zh-TW" altLang="en-US"/>
           </a:p>
@@ -3270,7 +3269,7 @@
           <a:p>
             <a:fld id="{9CC5B424-288B-4337-9F80-84337103EB4C}" type="datetimeFigureOut">
               <a:rPr lang="zh-TW" altLang="en-US" smtClean="0"/>
-              <a:t>2019/6/12</a:t>
+              <a:t>2019/6/20</a:t>
             </a:fld>
             <a:endParaRPr lang="zh-TW" altLang="en-US"/>
           </a:p>
@@ -3808,96 +3807,71 @@
           </a:lstStyle>
           <a:p>
             <a:r>
-              <a:rPr lang="zh-TW" altLang="en-US" sz="2400" b="1" dirty="0" smtClean="0">
+              <a:rPr lang="zh-TW" altLang="en-US" sz="2400" b="1" dirty="0">
                 <a:latin typeface="標楷體" panose="03000509000000000000" pitchFamily="65" charset="-120"/>
                 <a:ea typeface="標楷體" panose="03000509000000000000" pitchFamily="65" charset="-120"/>
               </a:rPr>
               <a:t>國立高雄科技大學</a:t>
             </a:r>
             <a:r>
-              <a:rPr lang="en-US" altLang="zh-TW" sz="2400" b="1" dirty="0" smtClean="0">
+              <a:rPr lang="en-US" altLang="zh-TW" sz="2400" b="1" dirty="0">
                 <a:latin typeface="標楷體" panose="03000509000000000000" pitchFamily="65" charset="-120"/>
                 <a:ea typeface="標楷體" panose="03000509000000000000" pitchFamily="65" charset="-120"/>
               </a:rPr>
               <a:t>(</a:t>
             </a:r>
             <a:r>
-              <a:rPr lang="zh-TW" altLang="en-US" sz="2400" b="1" dirty="0" smtClean="0">
+              <a:rPr lang="zh-TW" altLang="en-US" sz="2400" b="1" dirty="0">
                 <a:latin typeface="標楷體" panose="03000509000000000000" pitchFamily="65" charset="-120"/>
                 <a:ea typeface="標楷體" panose="03000509000000000000" pitchFamily="65" charset="-120"/>
               </a:rPr>
               <a:t>第一校區</a:t>
             </a:r>
             <a:r>
-              <a:rPr lang="en-US" altLang="zh-TW" sz="2400" b="1" dirty="0" smtClean="0">
+              <a:rPr lang="en-US" altLang="zh-TW" sz="2400" b="1" dirty="0">
                 <a:latin typeface="標楷體" panose="03000509000000000000" pitchFamily="65" charset="-120"/>
                 <a:ea typeface="標楷體" panose="03000509000000000000" pitchFamily="65" charset="-120"/>
               </a:rPr>
               <a:t>)</a:t>
             </a:r>
             <a:r>
-              <a:rPr lang="zh-TW" altLang="en-US" sz="2400" b="1" dirty="0" smtClean="0">
+              <a:rPr lang="zh-TW" altLang="en-US" sz="2400" b="1" dirty="0">
                 <a:latin typeface="標楷體" panose="03000509000000000000" pitchFamily="65" charset="-120"/>
                 <a:ea typeface="標楷體" panose="03000509000000000000" pitchFamily="65" charset="-120"/>
               </a:rPr>
               <a:t>電子工程系</a:t>
             </a:r>
-            <a:r>
-              <a:rPr lang="en-US" altLang="zh-TW" sz="2400" b="1" dirty="0" smtClean="0">
-                <a:latin typeface="標楷體" panose="03000509000000000000" pitchFamily="65" charset="-120"/>
-                <a:ea typeface="標楷體" panose="03000509000000000000" pitchFamily="65" charset="-120"/>
-              </a:rPr>
-              <a:t/>
-            </a:r>
             <a:br>
-              <a:rPr lang="en-US" altLang="zh-TW" sz="2400" b="1" dirty="0" smtClean="0">
+              <a:rPr lang="en-US" altLang="zh-TW" sz="2400" b="1" dirty="0">
                 <a:latin typeface="標楷體" panose="03000509000000000000" pitchFamily="65" charset="-120"/>
                 <a:ea typeface="標楷體" panose="03000509000000000000" pitchFamily="65" charset="-120"/>
               </a:rPr>
             </a:br>
-            <a:r>
-              <a:rPr lang="en-US" altLang="zh-TW" sz="2400" b="1" dirty="0" smtClean="0">
-                <a:latin typeface="標楷體" panose="03000509000000000000" pitchFamily="65" charset="-120"/>
-                <a:ea typeface="標楷體" panose="03000509000000000000" pitchFamily="65" charset="-120"/>
-              </a:rPr>
-              <a:t/>
-            </a:r>
             <a:br>
-              <a:rPr lang="en-US" altLang="zh-TW" sz="2400" b="1" dirty="0" smtClean="0">
+              <a:rPr lang="en-US" altLang="zh-TW" sz="2400" b="1" dirty="0">
                 <a:latin typeface="標楷體" panose="03000509000000000000" pitchFamily="65" charset="-120"/>
                 <a:ea typeface="標楷體" panose="03000509000000000000" pitchFamily="65" charset="-120"/>
               </a:rPr>
             </a:br>
             <a:r>
-              <a:rPr lang="zh-TW" altLang="en-US" sz="3200" b="1" dirty="0" smtClean="0">
-                <a:latin typeface="標楷體" panose="03000509000000000000" pitchFamily="65" charset="-120"/>
-                <a:ea typeface="標楷體" panose="03000509000000000000" pitchFamily="65" charset="-120"/>
-              </a:rPr>
-              <a:t>系統晶片設計</a:t>
-            </a:r>
-            <a:r>
               <a:rPr lang="zh-TW" altLang="en-US" sz="3200" b="1" dirty="0">
                 <a:latin typeface="標楷體" panose="03000509000000000000" pitchFamily="65" charset="-120"/>
                 <a:ea typeface="標楷體" panose="03000509000000000000" pitchFamily="65" charset="-120"/>
               </a:rPr>
-              <a:t>實習</a:t>
-            </a:r>
-            <a:r>
-              <a:rPr lang="en-US" altLang="zh-TW" sz="3200" b="1" smtClean="0"/>
-              <a:t/>
+              <a:t>系統晶片設計實習</a:t>
             </a:r>
             <a:br>
-              <a:rPr lang="en-US" altLang="zh-TW" sz="3200" b="1" smtClean="0"/>
+              <a:rPr lang="en-US" altLang="zh-TW" sz="3200" b="1"/>
             </a:br>
             <a:r>
-              <a:rPr lang="en-US" altLang="zh-TW" sz="2800" smtClean="0"/>
+              <a:rPr lang="en-US" altLang="zh-TW" sz="2800"/>
               <a:t>lab5-2</a:t>
             </a:r>
-            <a:endParaRPr lang="en-US" altLang="zh-TW" sz="2800" dirty="0" smtClean="0"/>
-          </a:p>
-          <a:p>
-            <a:r>
-              <a:rPr lang="en-US" altLang="zh-TW" sz="2800" dirty="0" smtClean="0"/>
+            <a:endParaRPr lang="en-US" altLang="zh-TW" sz="2800" dirty="0"/>
+          </a:p>
+          <a:p>
+            <a:r>
+              <a:rPr lang="en-US" altLang="zh-TW" sz="2800" dirty="0"/>
               <a:t>Linux Driver Modules</a:t>
             </a:r>
             <a:endParaRPr lang="zh-TW" altLang="en-US" sz="3200" dirty="0"/>
@@ -3944,17 +3918,17 @@
           <a:p>
             <a:pPr algn="l"/>
             <a:r>
-              <a:rPr lang="en-US" altLang="zh-TW" sz="2000" dirty="0" smtClean="0"/>
+              <a:rPr lang="en-US" altLang="zh-TW" sz="2000" dirty="0"/>
               <a:t>Teacher </a:t>
             </a:r>
             <a:r>
-              <a:rPr lang="zh-TW" altLang="en-US" sz="2000" dirty="0" smtClean="0">
+              <a:rPr lang="zh-TW" altLang="en-US" sz="2000" dirty="0">
                 <a:latin typeface="標楷體" panose="03000509000000000000" pitchFamily="65" charset="-120"/>
                 <a:ea typeface="標楷體" panose="03000509000000000000" pitchFamily="65" charset="-120"/>
               </a:rPr>
               <a:t>陳朝烈 教授</a:t>
             </a:r>
-            <a:endParaRPr lang="en-US" altLang="zh-TW" sz="2000" dirty="0" smtClean="0">
+            <a:endParaRPr lang="en-US" altLang="zh-TW" sz="2000" dirty="0">
               <a:latin typeface="標楷體" panose="03000509000000000000" pitchFamily="65" charset="-120"/>
               <a:ea typeface="標楷體" panose="03000509000000000000" pitchFamily="65" charset="-120"/>
             </a:endParaRPr>
@@ -3962,73 +3936,27 @@
           <a:p>
             <a:pPr algn="l"/>
             <a:r>
-              <a:rPr lang="en-US" altLang="zh-TW" sz="2000" dirty="0" smtClean="0"/>
+              <a:rPr lang="en-US" altLang="zh-TW" sz="2000" dirty="0"/>
               <a:t>Author </a:t>
             </a:r>
             <a:r>
-              <a:rPr lang="zh-TW" altLang="en-US" sz="2000" dirty="0" smtClean="0"/>
+              <a:rPr lang="zh-TW" altLang="en-US" sz="2000" dirty="0"/>
               <a:t> </a:t>
-            </a:r>
-            <a:r>
-              <a:rPr lang="zh-TW" altLang="en-US" sz="2000" dirty="0" smtClean="0">
-                <a:latin typeface="標楷體" panose="03000509000000000000" pitchFamily="65" charset="-120"/>
-                <a:ea typeface="標楷體" panose="03000509000000000000" pitchFamily="65" charset="-120"/>
-              </a:rPr>
-              <a:t>古</a:t>
             </a:r>
             <a:r>
               <a:rPr lang="zh-TW" altLang="en-US" sz="2000" dirty="0">
                 <a:latin typeface="標楷體" panose="03000509000000000000" pitchFamily="65" charset="-120"/>
                 <a:ea typeface="標楷體" panose="03000509000000000000" pitchFamily="65" charset="-120"/>
               </a:rPr>
-              <a:t>仲</a:t>
-            </a:r>
-            <a:r>
-              <a:rPr lang="zh-TW" altLang="en-US" sz="2000" dirty="0" smtClean="0">
-                <a:latin typeface="標楷體" panose="03000509000000000000" pitchFamily="65" charset="-120"/>
-                <a:ea typeface="標楷體" panose="03000509000000000000" pitchFamily="65" charset="-120"/>
-              </a:rPr>
-              <a:t>安 莊旻哲 廖</a:t>
-            </a:r>
-            <a:r>
-              <a:rPr lang="zh-TW" altLang="en-US" sz="2000" dirty="0">
-                <a:latin typeface="標楷體" panose="03000509000000000000" pitchFamily="65" charset="-120"/>
-                <a:ea typeface="標楷體" panose="03000509000000000000" pitchFamily="65" charset="-120"/>
-              </a:rPr>
-              <a:t>柏</a:t>
-            </a:r>
-            <a:r>
-              <a:rPr lang="zh-TW" altLang="en-US" sz="2000" dirty="0" smtClean="0">
-                <a:latin typeface="標楷體" panose="03000509000000000000" pitchFamily="65" charset="-120"/>
-                <a:ea typeface="標楷體" panose="03000509000000000000" pitchFamily="65" charset="-120"/>
-              </a:rPr>
-              <a:t>洵 林昱</a:t>
-            </a:r>
-            <a:r>
-              <a:rPr lang="zh-TW" altLang="en-US" sz="2100" dirty="0" smtClean="0">
-                <a:latin typeface="標楷體" panose="03000509000000000000" pitchFamily="65" charset="-120"/>
-                <a:ea typeface="標楷體" panose="03000509000000000000" pitchFamily="65" charset="-120"/>
-              </a:rPr>
-              <a:t>明 楊</a:t>
+              <a:t>古仲安 莊旻哲 廖柏洵 林昱</a:t>
             </a:r>
             <a:r>
               <a:rPr lang="zh-TW" altLang="en-US" sz="2100" dirty="0">
                 <a:latin typeface="標楷體" panose="03000509000000000000" pitchFamily="65" charset="-120"/>
                 <a:ea typeface="標楷體" panose="03000509000000000000" pitchFamily="65" charset="-120"/>
               </a:rPr>
-              <a:t>豐</a:t>
-            </a:r>
-            <a:r>
-              <a:rPr lang="zh-TW" altLang="en-US" sz="2100" dirty="0" smtClean="0">
-                <a:latin typeface="標楷體" panose="03000509000000000000" pitchFamily="65" charset="-120"/>
-                <a:ea typeface="標楷體" panose="03000509000000000000" pitchFamily="65" charset="-120"/>
-              </a:rPr>
-              <a:t>瑞</a:t>
-            </a:r>
-            <a:endParaRPr lang="zh-TW" altLang="en-US" sz="2100" dirty="0">
-              <a:latin typeface="標楷體" panose="03000509000000000000" pitchFamily="65" charset="-120"/>
-              <a:ea typeface="標楷體" panose="03000509000000000000" pitchFamily="65" charset="-120"/>
-            </a:endParaRPr>
+              <a:t>明 楊豐瑞</a:t>
+            </a:r>
           </a:p>
         </p:txBody>
       </p:sp>
@@ -4085,15 +4013,11 @@
           <a:lstStyle/>
           <a:p>
             <a:r>
-              <a:rPr lang="zh-TW" altLang="en-US" dirty="0" smtClean="0"/>
+              <a:rPr lang="zh-TW" altLang="en-US" dirty="0"/>
               <a:t>編譯驅動模組</a:t>
             </a:r>
-            <a:r>
-              <a:rPr lang="en-US" altLang="zh-TW" dirty="0" smtClean="0"/>
-              <a:t/>
-            </a:r>
             <a:br>
-              <a:rPr lang="en-US" altLang="zh-TW" dirty="0" smtClean="0"/>
+              <a:rPr lang="en-US" altLang="zh-TW" dirty="0"/>
             </a:br>
             <a:r>
               <a:rPr lang="zh-TW" altLang="en-US" sz="2000" dirty="0">
@@ -4130,28 +4054,21 @@
               <a:t>，下載項目請參考</a:t>
             </a:r>
             <a:r>
-              <a:rPr lang="en-US" altLang="zh-TW" sz="1800" dirty="0" smtClean="0">
+              <a:rPr lang="en-US" altLang="zh-TW" sz="1800" dirty="0">
                 <a:latin typeface="標楷體" panose="03000509000000000000" pitchFamily="65" charset="-120"/>
                 <a:ea typeface="標楷體" panose="03000509000000000000" pitchFamily="65" charset="-120"/>
               </a:rPr>
               <a:t>README</a:t>
             </a:r>
             <a:r>
-              <a:rPr lang="zh-TW" altLang="en-US" sz="1800" dirty="0" smtClean="0">
+              <a:rPr lang="zh-TW" altLang="en-US" sz="1800" dirty="0">
                 <a:latin typeface="標楷體" panose="03000509000000000000" pitchFamily="65" charset="-120"/>
                 <a:ea typeface="標楷體" panose="03000509000000000000" pitchFamily="65" charset="-120"/>
               </a:rPr>
               <a:t>。</a:t>
             </a:r>
-            <a:r>
-              <a:rPr lang="en-US" altLang="zh-TW" sz="1800" dirty="0" smtClean="0">
-                <a:latin typeface="標楷體" panose="03000509000000000000" pitchFamily="65" charset="-120"/>
-                <a:ea typeface="標楷體" panose="03000509000000000000" pitchFamily="65" charset="-120"/>
-              </a:rPr>
-              <a:t/>
-            </a:r>
             <a:br>
-              <a:rPr lang="en-US" altLang="zh-TW" sz="1800" dirty="0" smtClean="0">
+              <a:rPr lang="en-US" altLang="zh-TW" sz="1800" dirty="0">
                 <a:latin typeface="標楷體" panose="03000509000000000000" pitchFamily="65" charset="-120"/>
                 <a:ea typeface="標楷體" panose="03000509000000000000" pitchFamily="65" charset="-120"/>
               </a:rPr>
@@ -4161,24 +4078,17 @@
                 <a:latin typeface="標楷體" panose="03000509000000000000" pitchFamily="65" charset="-120"/>
                 <a:ea typeface="標楷體" panose="03000509000000000000" pitchFamily="65" charset="-120"/>
               </a:rPr>
-              <a:t>請下</a:t>
-            </a:r>
-            <a:r>
-              <a:rPr lang="zh-TW" altLang="en-US" sz="2000" dirty="0" smtClean="0">
-                <a:latin typeface="標楷體" panose="03000509000000000000" pitchFamily="65" charset="-120"/>
-                <a:ea typeface="標楷體" panose="03000509000000000000" pitchFamily="65" charset="-120"/>
-              </a:rPr>
-              <a:t>載</a:t>
-            </a:r>
-            <a:r>
-              <a:rPr lang="en-US" altLang="zh-TW" sz="2000" dirty="0" smtClean="0">
+              <a:t>請下載</a:t>
+            </a:r>
+            <a:r>
+              <a:rPr lang="en-US" altLang="zh-TW" sz="2000" dirty="0">
                 <a:latin typeface="標楷體" panose="03000509000000000000" pitchFamily="65" charset="-120"/>
                 <a:ea typeface="標楷體" panose="03000509000000000000" pitchFamily="65" charset="-120"/>
               </a:rPr>
               <a:t>ip.c</a:t>
             </a:r>
             <a:r>
-              <a:rPr lang="zh-TW" altLang="en-US" sz="2000" dirty="0" smtClean="0">
+              <a:rPr lang="zh-TW" altLang="en-US" sz="2000" dirty="0">
                 <a:latin typeface="標楷體" panose="03000509000000000000" pitchFamily="65" charset="-120"/>
                 <a:ea typeface="標楷體" panose="03000509000000000000" pitchFamily="65" charset="-120"/>
               </a:rPr>
@@ -4280,19 +4190,15 @@
             </a:r>
           </a:p>
           <a:p>
-            <a:endParaRPr lang="en-US" altLang="zh-TW" dirty="0" smtClean="0"/>
-          </a:p>
-          <a:p>
-            <a:endParaRPr lang="en-US" altLang="zh-TW" dirty="0" smtClean="0"/>
-          </a:p>
-          <a:p>
-            <a:r>
-              <a:rPr lang="en-US" altLang="zh-TW" dirty="0" smtClean="0"/>
-              <a:t>PATH</a:t>
-            </a:r>
+            <a:endParaRPr lang="en-US" altLang="zh-TW" dirty="0"/>
+          </a:p>
+          <a:p>
+            <a:endParaRPr lang="en-US" altLang="zh-TW" dirty="0"/>
+          </a:p>
+          <a:p>
             <a:r>
               <a:rPr lang="en-US" altLang="zh-TW" dirty="0"/>
-              <a:t>=/opt/Xilinx/SDK/2017.4/gnu/armr5/lin/gcc-arm-none-eabi/bin:$PATH</a:t>
+              <a:t>PATH=/opt/Xilinx/SDK/2017.4/gnu/armr5/lin/gcc-arm-none-eabi/bin:$PATH</a:t>
             </a:r>
           </a:p>
           <a:p>
@@ -4327,30 +4233,22 @@
           <a:p>
             <a:r>
               <a:rPr lang="en-US" altLang="zh-TW" dirty="0"/>
-              <a:t>Ex : </a:t>
-            </a:r>
-            <a:r>
-              <a:rPr lang="en-US" altLang="zh-TW" dirty="0" smtClean="0"/>
-              <a:t>Makefile</a:t>
-            </a:r>
-            <a:r>
-              <a:rPr lang="zh-TW" altLang="en-US" dirty="0" smtClean="0"/>
-              <a:t>，</a:t>
+              <a:t>Ex : Makefile</a:t>
             </a:r>
             <a:r>
               <a:rPr lang="zh-TW" altLang="en-US" dirty="0"/>
-              <a:t>驅動程式的</a:t>
+              <a:t>，驅動程式的</a:t>
             </a:r>
             <a:r>
               <a:rPr lang="en-US" altLang="zh-TW" dirty="0"/>
               <a:t> .c</a:t>
             </a:r>
             <a:r>
-              <a:rPr lang="zh-TW" altLang="en-US" dirty="0" smtClean="0"/>
+              <a:rPr lang="zh-TW" altLang="en-US" dirty="0"/>
               <a:t>檔名為 </a:t>
             </a:r>
             <a:r>
-              <a:rPr lang="en-US" altLang="zh-TW" dirty="0" smtClean="0"/>
+              <a:rPr lang="en-US" altLang="zh-TW" dirty="0"/>
               <a:t>ip.c</a:t>
             </a:r>
             <a:endParaRPr lang="zh-TW" altLang="en-US" dirty="0"/>
@@ -4421,29 +4319,16 @@
           <a:p>
             <a:r>
               <a:rPr lang="en-US" altLang="zh-TW" dirty="0"/>
-              <a:t>obj-m += </a:t>
-            </a:r>
-            <a:r>
-              <a:rPr lang="en-US" altLang="zh-TW" dirty="0" smtClean="0"/>
-              <a:t>[.c</a:t>
-            </a:r>
-            <a:r>
-              <a:rPr lang="zh-TW" altLang="en-US" dirty="0" smtClean="0"/>
-              <a:t>原</a:t>
+              <a:t>obj-m += [.c</a:t>
             </a:r>
             <a:r>
               <a:rPr lang="zh-TW" altLang="en-US" dirty="0"/>
-              <a:t>始</a:t>
-            </a:r>
-            <a:r>
-              <a:rPr lang="zh-TW" altLang="en-US" dirty="0" smtClean="0"/>
-              <a:t>碼的檔名</a:t>
-            </a:r>
-            <a:r>
-              <a:rPr lang="en-US" altLang="zh-TW" dirty="0" smtClean="0"/>
+              <a:t>原始碼的檔名</a:t>
+            </a:r>
+            <a:r>
+              <a:rPr lang="en-US" altLang="zh-TW" dirty="0"/>
               <a:t>].o</a:t>
             </a:r>
-            <a:endParaRPr lang="en-US" altLang="zh-TW" dirty="0"/>
           </a:p>
           <a:p>
             <a:r>
@@ -4457,16 +4342,12 @@
               <a:t>	make -C [linux-xlnx</a:t>
             </a:r>
             <a:r>
-              <a:rPr lang="zh-TW" altLang="en-US" dirty="0" smtClean="0"/>
+              <a:rPr lang="zh-TW" altLang="en-US" dirty="0"/>
               <a:t>的路徑</a:t>
             </a:r>
             <a:r>
-              <a:rPr lang="en-US" altLang="zh-TW" dirty="0" smtClean="0"/>
-              <a:t>] </a:t>
-            </a:r>
-            <a:r>
               <a:rPr lang="en-US" altLang="zh-TW" dirty="0"/>
-              <a:t>M=$(PWD) modules</a:t>
+              <a:t>] M=$(PWD) modules</a:t>
             </a:r>
           </a:p>
           <a:p>
@@ -4486,21 +4367,8 @@
             </a:r>
             <a:r>
               <a:rPr lang="en-US" altLang="zh-TW" dirty="0"/>
-              <a:t>]</a:t>
-            </a:r>
-            <a:r>
-              <a:rPr lang="en-US" altLang="zh-TW" dirty="0" smtClean="0"/>
-              <a:t> </a:t>
-            </a:r>
-            <a:r>
-              <a:rPr lang="en-US" altLang="zh-TW" dirty="0"/>
-              <a:t>M=$(PWD) </a:t>
-            </a:r>
-            <a:r>
-              <a:rPr lang="en-US" altLang="zh-TW" dirty="0" smtClean="0"/>
-              <a:t>clean</a:t>
-            </a:r>
-            <a:endParaRPr lang="en-US" altLang="zh-TW" dirty="0"/>
+              <a:t>] M=$(PWD) clean</a:t>
+            </a:r>
           </a:p>
         </p:txBody>
       </p:sp>
@@ -4526,34 +4394,25 @@
           <a:lstStyle/>
           <a:p>
             <a:r>
-              <a:rPr lang="zh-TW" altLang="en-US" dirty="0" smtClean="0"/>
+              <a:rPr lang="zh-TW" altLang="en-US" dirty="0"/>
               <a:t>新增文件檔並命名</a:t>
             </a:r>
             <a:r>
-              <a:rPr lang="en-US" altLang="zh-TW" dirty="0" smtClean="0"/>
+              <a:rPr lang="en-US" altLang="zh-TW" dirty="0"/>
               <a:t>Makefile</a:t>
             </a:r>
             <a:r>
-              <a:rPr lang="zh-TW" altLang="en-US" dirty="0" smtClean="0"/>
-              <a:t>，內容如下。且將驅動</a:t>
-            </a:r>
-            <a:r>
               <a:rPr lang="zh-TW" altLang="en-US" dirty="0"/>
-              <a:t>程</a:t>
-            </a:r>
-            <a:r>
-              <a:rPr lang="zh-TW" altLang="en-US" dirty="0" smtClean="0"/>
-              <a:t>式的</a:t>
-            </a:r>
-            <a:r>
-              <a:rPr lang="en-US" altLang="zh-TW" dirty="0" smtClean="0"/>
+              <a:t>，內容如下。且將驅動程式的</a:t>
+            </a:r>
+            <a:r>
+              <a:rPr lang="en-US" altLang="zh-TW" dirty="0"/>
               <a:t> .c</a:t>
             </a:r>
             <a:r>
-              <a:rPr lang="zh-TW" altLang="en-US" dirty="0" smtClean="0"/>
+              <a:rPr lang="zh-TW" altLang="en-US" dirty="0"/>
               <a:t>檔案放在同一目錄底下</a:t>
             </a:r>
-            <a:endParaRPr lang="zh-TW" altLang="en-US" dirty="0"/>
           </a:p>
         </p:txBody>
       </p:sp>
@@ -4611,32 +4470,17 @@
           <a:p>
             <a:r>
               <a:rPr lang="zh-TW" altLang="en-US" dirty="0"/>
-              <a:t>編</a:t>
-            </a:r>
-            <a:r>
-              <a:rPr lang="zh-TW" altLang="en-US" dirty="0" smtClean="0"/>
-              <a:t>譯執行檔</a:t>
-            </a:r>
-            <a:r>
-              <a:rPr lang="en-US" altLang="zh-TW" dirty="0"/>
-              <a:t/>
+              <a:t>編譯執行檔</a:t>
             </a:r>
             <a:br>
               <a:rPr lang="en-US" altLang="zh-TW" dirty="0"/>
             </a:br>
-            <a:r>
-              <a:rPr lang="zh-TW" altLang="en-US" sz="2000" dirty="0" smtClean="0">
-                <a:latin typeface="標楷體" panose="03000509000000000000" pitchFamily="65" charset="-120"/>
-                <a:ea typeface="標楷體" panose="03000509000000000000" pitchFamily="65" charset="-120"/>
-              </a:rPr>
-              <a:t>範</a:t>
-            </a:r>
             <a:r>
               <a:rPr lang="zh-TW" altLang="en-US" sz="2000" dirty="0">
                 <a:latin typeface="標楷體" panose="03000509000000000000" pitchFamily="65" charset="-120"/>
                 <a:ea typeface="標楷體" panose="03000509000000000000" pitchFamily="65" charset="-120"/>
               </a:rPr>
-              <a:t>例程式請到</a:t>
+              <a:t>範例程式請到</a:t>
             </a:r>
             <a:r>
               <a:rPr lang="en-US" altLang="zh-TW" sz="2000" dirty="0">
@@ -4650,118 +4494,71 @@
                 <a:latin typeface="標楷體" panose="03000509000000000000" pitchFamily="65" charset="-120"/>
                 <a:ea typeface="標楷體" panose="03000509000000000000" pitchFamily="65" charset="-120"/>
               </a:rPr>
-              <a:t>下</a:t>
-            </a:r>
-            <a:r>
-              <a:rPr lang="zh-TW" altLang="en-US" sz="2000" dirty="0" smtClean="0">
-                <a:latin typeface="標楷體" panose="03000509000000000000" pitchFamily="65" charset="-120"/>
-                <a:ea typeface="標楷體" panose="03000509000000000000" pitchFamily="65" charset="-120"/>
-              </a:rPr>
-              <a:t>載</a:t>
-            </a:r>
-            <a:r>
-              <a:rPr lang="en-US" altLang="zh-TW" sz="1800" u="sng" dirty="0" smtClean="0">
-                <a:hlinkClick r:id="rId2"/>
-              </a:rPr>
-              <a:t>https</a:t>
+              <a:t>下載</a:t>
             </a:r>
             <a:r>
               <a:rPr lang="en-US" altLang="zh-TW" sz="1800" u="sng" dirty="0">
                 <a:hlinkClick r:id="rId2"/>
               </a:rPr>
-              <a:t>://github.com/sky7st/SOC-Lessons</a:t>
-            </a:r>
-            <a:r>
-              <a:rPr lang="en-US" altLang="zh-TW" sz="1800" u="sng" dirty="0" smtClean="0">
-                <a:hlinkClick r:id="rId2"/>
-              </a:rPr>
-              <a:t>/</a:t>
-            </a:r>
-            <a:r>
-              <a:rPr lang="zh-TW" altLang="en-US" sz="1800" dirty="0" smtClean="0">
-                <a:latin typeface="標楷體" panose="03000509000000000000" pitchFamily="65" charset="-120"/>
-                <a:ea typeface="標楷體" panose="03000509000000000000" pitchFamily="65" charset="-120"/>
-              </a:rPr>
-              <a:t>，</a:t>
+              <a:t>https://github.com/sky7st/SOC-Lessons/</a:t>
             </a:r>
             <a:r>
               <a:rPr lang="zh-TW" altLang="en-US" sz="1800" dirty="0">
                 <a:latin typeface="標楷體" panose="03000509000000000000" pitchFamily="65" charset="-120"/>
                 <a:ea typeface="標楷體" panose="03000509000000000000" pitchFamily="65" charset="-120"/>
               </a:rPr>
-              <a:t>下</a:t>
-            </a:r>
-            <a:r>
-              <a:rPr lang="zh-TW" altLang="en-US" sz="1800" dirty="0" smtClean="0">
+              <a:t>，下載項目請參考</a:t>
+            </a:r>
+            <a:r>
+              <a:rPr lang="en-US" altLang="zh-TW" sz="1800" dirty="0">
                 <a:latin typeface="標楷體" panose="03000509000000000000" pitchFamily="65" charset="-120"/>
                 <a:ea typeface="標楷體" panose="03000509000000000000" pitchFamily="65" charset="-120"/>
               </a:rPr>
-              <a:t>載</a:t>
+              <a:t>README</a:t>
             </a:r>
             <a:r>
               <a:rPr lang="zh-TW" altLang="en-US" sz="1800" dirty="0">
                 <a:latin typeface="標楷體" panose="03000509000000000000" pitchFamily="65" charset="-120"/>
                 <a:ea typeface="標楷體" panose="03000509000000000000" pitchFamily="65" charset="-120"/>
               </a:rPr>
-              <a:t>項目請參考</a:t>
-            </a:r>
-            <a:r>
-              <a:rPr lang="en-US" altLang="zh-TW" sz="1800" dirty="0" smtClean="0">
-                <a:latin typeface="標楷體" panose="03000509000000000000" pitchFamily="65" charset="-120"/>
-                <a:ea typeface="標楷體" panose="03000509000000000000" pitchFamily="65" charset="-120"/>
-              </a:rPr>
-              <a:t>README</a:t>
-            </a:r>
-            <a:r>
-              <a:rPr lang="zh-TW" altLang="en-US" sz="1800" dirty="0" smtClean="0">
-                <a:latin typeface="標楷體" panose="03000509000000000000" pitchFamily="65" charset="-120"/>
-                <a:ea typeface="標楷體" panose="03000509000000000000" pitchFamily="65" charset="-120"/>
-              </a:rPr>
               <a:t>。</a:t>
             </a:r>
-            <a:r>
-              <a:rPr lang="en-US" altLang="zh-TW" sz="1800" dirty="0" smtClean="0">
-                <a:latin typeface="標楷體" panose="03000509000000000000" pitchFamily="65" charset="-120"/>
-                <a:ea typeface="標楷體" panose="03000509000000000000" pitchFamily="65" charset="-120"/>
-              </a:rPr>
-              <a:t/>
-            </a:r>
             <a:br>
-              <a:rPr lang="en-US" altLang="zh-TW" sz="1800" dirty="0" smtClean="0">
+              <a:rPr lang="en-US" altLang="zh-TW" sz="1800" dirty="0">
                 <a:latin typeface="標楷體" panose="03000509000000000000" pitchFamily="65" charset="-120"/>
                 <a:ea typeface="標楷體" panose="03000509000000000000" pitchFamily="65" charset="-120"/>
               </a:rPr>
             </a:br>
             <a:r>
-              <a:rPr lang="zh-TW" altLang="en-US" sz="1800" dirty="0" smtClean="0">
+              <a:rPr lang="zh-TW" altLang="en-US" sz="1800" dirty="0">
                 <a:latin typeface="標楷體" panose="03000509000000000000" pitchFamily="65" charset="-120"/>
                 <a:ea typeface="標楷體" panose="03000509000000000000" pitchFamily="65" charset="-120"/>
               </a:rPr>
               <a:t>請下載</a:t>
             </a:r>
             <a:r>
-              <a:rPr lang="en-US" altLang="zh-TW" sz="1800" dirty="0" smtClean="0">
+              <a:rPr lang="en-US" altLang="zh-TW" sz="1800" dirty="0">
                 <a:latin typeface="標楷體" panose="03000509000000000000" pitchFamily="65" charset="-120"/>
                 <a:ea typeface="標楷體" panose="03000509000000000000" pitchFamily="65" charset="-120"/>
               </a:rPr>
               <a:t>read.c</a:t>
             </a:r>
             <a:r>
-              <a:rPr lang="zh-TW" altLang="en-US" sz="1800" dirty="0" smtClean="0">
+              <a:rPr lang="zh-TW" altLang="en-US" sz="1800" dirty="0">
                 <a:latin typeface="標楷體" panose="03000509000000000000" pitchFamily="65" charset="-120"/>
                 <a:ea typeface="標楷體" panose="03000509000000000000" pitchFamily="65" charset="-120"/>
               </a:rPr>
               <a:t>與</a:t>
             </a:r>
             <a:r>
-              <a:rPr lang="en-US" altLang="zh-TW" sz="1800" dirty="0" smtClean="0">
+              <a:rPr lang="en-US" altLang="zh-TW" sz="1800" dirty="0">
                 <a:latin typeface="標楷體" panose="03000509000000000000" pitchFamily="65" charset="-120"/>
                 <a:ea typeface="標楷體" panose="03000509000000000000" pitchFamily="65" charset="-120"/>
               </a:rPr>
               <a:t>write.c</a:t>
             </a:r>
             <a:r>
-              <a:rPr lang="zh-TW" altLang="en-US" sz="1800" dirty="0" smtClean="0"/>
+              <a:rPr lang="zh-TW" altLang="en-US" sz="1800" dirty="0"/>
               <a:t>。</a:t>
             </a:r>
             <a:endParaRPr lang="zh-TW" altLang="en-US" dirty="0"/>
@@ -4792,59 +4589,55 @@
               <a:buNone/>
             </a:pPr>
             <a:r>
-              <a:rPr lang="en-US" altLang="zh-TW" dirty="0" smtClean="0"/>
-              <a:t>gcc –o [</a:t>
+              <a:rPr lang="en-US" altLang="zh-TW" dirty="0"/>
+              <a:t>arm-none-</a:t>
+            </a:r>
+            <a:r>
+              <a:rPr lang="en-US" altLang="zh-TW" dirty="0" err="1"/>
+              <a:t>eabi</a:t>
+            </a:r>
+            <a:r>
+              <a:rPr lang="en-US" altLang="zh-TW" dirty="0"/>
+              <a:t>-</a:t>
+            </a:r>
+            <a:r>
+              <a:rPr lang="en-US" altLang="zh-TW" dirty="0" err="1"/>
+              <a:t>gcc</a:t>
+            </a:r>
+            <a:r>
+              <a:rPr lang="en-US" altLang="zh-TW" dirty="0"/>
+              <a:t> –o [</a:t>
             </a:r>
             <a:r>
               <a:rPr lang="zh-TW" altLang="en-US" dirty="0"/>
-              <a:t>編</a:t>
-            </a:r>
-            <a:r>
-              <a:rPr lang="zh-TW" altLang="en-US" dirty="0" smtClean="0"/>
-              <a:t>譯</a:t>
+              <a:t>編譯後的執行檔名</a:t>
+            </a:r>
+            <a:r>
+              <a:rPr lang="en-US" altLang="zh-TW" dirty="0"/>
+              <a:t>]</a:t>
             </a:r>
             <a:r>
               <a:rPr lang="zh-TW" altLang="en-US" dirty="0"/>
-              <a:t>後</a:t>
-            </a:r>
-            <a:r>
-              <a:rPr lang="zh-TW" altLang="en-US" dirty="0" smtClean="0"/>
-              <a:t>的</a:t>
+              <a:t> </a:t>
+            </a:r>
+            <a:r>
+              <a:rPr lang="en-US" altLang="zh-TW" dirty="0"/>
+              <a:t>[</a:t>
             </a:r>
             <a:r>
               <a:rPr lang="zh-TW" altLang="en-US" dirty="0"/>
-              <a:t>執</a:t>
-            </a:r>
-            <a:r>
-              <a:rPr lang="zh-TW" altLang="en-US" dirty="0" smtClean="0"/>
-              <a:t>行檔名</a:t>
-            </a:r>
-            <a:r>
-              <a:rPr lang="en-US" altLang="zh-TW" dirty="0" smtClean="0"/>
-              <a:t>]</a:t>
-            </a:r>
-            <a:r>
-              <a:rPr lang="zh-TW" altLang="en-US" dirty="0" smtClean="0"/>
-              <a:t> </a:t>
-            </a:r>
-            <a:r>
-              <a:rPr lang="en-US" altLang="zh-TW" dirty="0" smtClean="0"/>
-              <a:t>[</a:t>
-            </a:r>
-            <a:r>
-              <a:rPr lang="zh-TW" altLang="en-US" dirty="0" smtClean="0"/>
               <a:t>編譯前的</a:t>
             </a:r>
             <a:r>
-              <a:rPr lang="en-US" altLang="zh-TW" dirty="0" smtClean="0"/>
+              <a:rPr lang="en-US" altLang="zh-TW" dirty="0"/>
               <a:t>.c</a:t>
             </a:r>
             <a:r>
-              <a:rPr lang="zh-TW" altLang="en-US" dirty="0" smtClean="0"/>
+              <a:rPr lang="zh-TW" altLang="en-US" dirty="0"/>
               <a:t>檔名</a:t>
             </a:r>
             <a:r>
-              <a:rPr lang="en-US" altLang="zh-TW" dirty="0" smtClean="0"/>
+              <a:rPr lang="en-US" altLang="zh-TW" dirty="0"/>
               <a:t>] </a:t>
             </a:r>
           </a:p>
@@ -4852,16 +4645,28 @@
             <a:pPr marL="0" indent="0">
               <a:buNone/>
             </a:pPr>
-            <a:r>
-              <a:rPr lang="en-US" altLang="zh-TW" dirty="0" smtClean="0"/>
-              <a:t/>
-            </a:r>
             <a:br>
-              <a:rPr lang="en-US" altLang="zh-TW" dirty="0" smtClean="0"/>
+              <a:rPr lang="en-US" altLang="zh-TW" dirty="0"/>
             </a:br>
             <a:r>
-              <a:rPr lang="en-US" altLang="zh-TW" dirty="0" smtClean="0"/>
-              <a:t>Ex : gcc –o write write.c </a:t>
+              <a:rPr lang="en-US" altLang="zh-TW" dirty="0"/>
+              <a:t>Ex : arm-none-</a:t>
+            </a:r>
+            <a:r>
+              <a:rPr lang="en-US" altLang="zh-TW" dirty="0" err="1"/>
+              <a:t>eabi</a:t>
+            </a:r>
+            <a:r>
+              <a:rPr lang="en-US" altLang="zh-TW" dirty="0"/>
+              <a:t>-</a:t>
+            </a:r>
+            <a:r>
+              <a:rPr lang="en-US" altLang="zh-TW"/>
+              <a:t>gcc </a:t>
+            </a:r>
+            <a:r>
+              <a:rPr lang="en-US" altLang="zh-TW" dirty="0"/>
+              <a:t>–o write write.c </a:t>
             </a:r>
             <a:endParaRPr lang="zh-TW" altLang="en-US" dirty="0"/>
           </a:p>
@@ -4918,26 +4723,25 @@
           <a:lstStyle/>
           <a:p>
             <a:r>
-              <a:rPr lang="zh-TW" altLang="en-US" dirty="0" smtClean="0"/>
+              <a:rPr lang="zh-TW" altLang="en-US" dirty="0"/>
               <a:t>將</a:t>
             </a:r>
             <a:r>
-              <a:rPr lang="en-US" altLang="zh-TW" dirty="0" smtClean="0"/>
+              <a:rPr lang="en-US" altLang="zh-TW" dirty="0"/>
               <a:t>.ko</a:t>
             </a:r>
             <a:r>
-              <a:rPr lang="zh-TW" altLang="en-US" dirty="0" smtClean="0"/>
+              <a:rPr lang="zh-TW" altLang="en-US" dirty="0"/>
               <a:t>檔案放入</a:t>
             </a:r>
             <a:r>
-              <a:rPr lang="en-US" altLang="zh-TW" dirty="0" smtClean="0"/>
+              <a:rPr lang="en-US" altLang="zh-TW" dirty="0"/>
               <a:t>SD</a:t>
             </a:r>
             <a:r>
-              <a:rPr lang="zh-TW" altLang="en-US" dirty="0" smtClean="0"/>
+              <a:rPr lang="zh-TW" altLang="en-US" dirty="0"/>
               <a:t>卡並開機</a:t>
             </a:r>
-            <a:endParaRPr lang="zh-TW" altLang="en-US" dirty="0"/>
           </a:p>
         </p:txBody>
       </p:sp>
@@ -4987,18 +4791,17 @@
           <a:lstStyle/>
           <a:p>
             <a:r>
-              <a:rPr lang="zh-TW" altLang="en-US" dirty="0" smtClean="0"/>
+              <a:rPr lang="zh-TW" altLang="en-US" dirty="0"/>
               <a:t>掛載</a:t>
             </a:r>
             <a:r>
-              <a:rPr lang="en-US" altLang="zh-TW" dirty="0" smtClean="0"/>
+              <a:rPr lang="en-US" altLang="zh-TW" dirty="0"/>
               <a:t>FAT</a:t>
             </a:r>
             <a:r>
-              <a:rPr lang="zh-TW" altLang="en-US" dirty="0" smtClean="0"/>
+              <a:rPr lang="zh-TW" altLang="en-US" dirty="0"/>
               <a:t>磁區</a:t>
             </a:r>
-            <a:endParaRPr lang="zh-TW" altLang="en-US" dirty="0"/>
           </a:p>
         </p:txBody>
       </p:sp>
@@ -5022,11 +4825,7 @@
             </a:pPr>
             <a:r>
               <a:rPr lang="en-US" altLang="zh-TW" dirty="0"/>
-              <a:t>mount </a:t>
-            </a:r>
-            <a:r>
-              <a:rPr lang="en-US" altLang="zh-TW" dirty="0" smtClean="0"/>
-              <a:t>–a</a:t>
+              <a:t>mount –a</a:t>
             </a:r>
           </a:p>
           <a:p>
@@ -5083,18 +4882,17 @@
           <a:lstStyle/>
           <a:p>
             <a:r>
-              <a:rPr lang="zh-TW" altLang="en-US" dirty="0" smtClean="0"/>
+              <a:rPr lang="zh-TW" altLang="en-US" dirty="0"/>
               <a:t>安裝</a:t>
             </a:r>
             <a:r>
-              <a:rPr lang="en-US" altLang="zh-TW" dirty="0" smtClean="0"/>
+              <a:rPr lang="en-US" altLang="zh-TW" dirty="0"/>
               <a:t>.ko</a:t>
             </a:r>
             <a:r>
-              <a:rPr lang="zh-TW" altLang="en-US" dirty="0" smtClean="0"/>
+              <a:rPr lang="zh-TW" altLang="en-US" dirty="0"/>
               <a:t>安裝檔</a:t>
             </a:r>
-            <a:endParaRPr lang="zh-TW" altLang="en-US" dirty="0"/>
           </a:p>
         </p:txBody>
       </p:sp>
@@ -5124,15 +4922,15 @@
               <a:buNone/>
             </a:pPr>
             <a:r>
-              <a:rPr lang="en-US" altLang="zh-TW" dirty="0" smtClean="0"/>
+              <a:rPr lang="en-US" altLang="zh-TW" dirty="0"/>
               <a:t>Ex : (</a:t>
             </a:r>
             <a:r>
-              <a:rPr lang="zh-TW" altLang="en-US" dirty="0" smtClean="0"/>
+              <a:rPr lang="zh-TW" altLang="en-US" dirty="0"/>
               <a:t>安裝</a:t>
             </a:r>
             <a:r>
-              <a:rPr lang="en-US" altLang="zh-TW" dirty="0" smtClean="0"/>
+              <a:rPr lang="en-US" altLang="zh-TW" dirty="0"/>
               <a:t>ip.ko)</a:t>
             </a:r>
           </a:p>
@@ -5141,12 +4939,8 @@
               <a:buNone/>
             </a:pPr>
             <a:r>
-              <a:rPr lang="en-US" altLang="zh-TW" dirty="0" smtClean="0"/>
-              <a:t>mkdir </a:t>
-            </a:r>
-            <a:r>
               <a:rPr lang="en-US" altLang="zh-TW" dirty="0"/>
-              <a:t>/lib/modules/$(uname -r)</a:t>
+              <a:t>mkdir /lib/modules/$(uname -r)</a:t>
             </a:r>
           </a:p>
           <a:p>
@@ -5155,13 +4949,8 @@
             </a:pPr>
             <a:r>
               <a:rPr lang="en-US" altLang="zh-TW" dirty="0"/>
-              <a:t>cd /lib/modules/$(uname -r</a:t>
-            </a:r>
-            <a:r>
-              <a:rPr lang="en-US" altLang="zh-TW" dirty="0" smtClean="0"/>
-              <a:t>)</a:t>
-            </a:r>
-            <a:endParaRPr lang="en-US" altLang="zh-TW" dirty="0"/>
+              <a:t>cd /lib/modules/$(uname -r)</a:t>
+            </a:r>
           </a:p>
           <a:p>
             <a:pPr marL="0" indent="0">
@@ -5178,11 +4967,7 @@
             </a:pPr>
             <a:r>
               <a:rPr lang="en-US" altLang="zh-TW" dirty="0"/>
-              <a:t>insmod </a:t>
-            </a:r>
-            <a:r>
-              <a:rPr lang="en-US" altLang="zh-TW" dirty="0" smtClean="0"/>
-              <a:t>ip.ko</a:t>
+              <a:t>insmod ip.ko</a:t>
             </a:r>
           </a:p>
           <a:p>
@@ -5318,15 +5103,11 @@
           <a:lstStyle/>
           <a:p>
             <a:r>
-              <a:rPr lang="zh-TW" altLang="en-US" dirty="0" smtClean="0"/>
+              <a:rPr lang="zh-TW" altLang="en-US" dirty="0"/>
               <a:t>新增節點</a:t>
             </a:r>
-            <a:r>
-              <a:rPr lang="en-US" altLang="zh-TW" dirty="0" smtClean="0"/>
-              <a:t/>
-            </a:r>
             <a:br>
-              <a:rPr lang="en-US" altLang="zh-TW" dirty="0" smtClean="0"/>
+              <a:rPr lang="en-US" altLang="zh-TW" dirty="0"/>
             </a:br>
             <a:r>
               <a:rPr lang="zh-TW" altLang="en-US" sz="2000" dirty="0"/>
@@ -5391,12 +5172,8 @@
               <a:buNone/>
             </a:pPr>
             <a:r>
-              <a:rPr lang="en-US" altLang="zh-TW" dirty="0" smtClean="0"/>
-              <a:t>mknod </a:t>
-            </a:r>
-            <a:r>
               <a:rPr lang="en-US" altLang="zh-TW" dirty="0"/>
-              <a:t>/dev/IP-Driver c 245 0</a:t>
+              <a:t>mknod /dev/IP-Driver c 245 0</a:t>
             </a:r>
             <a:endParaRPr lang="zh-TW" altLang="en-US" dirty="0"/>
           </a:p>
@@ -5526,10 +5303,9 @@
           <a:lstStyle/>
           <a:p>
             <a:r>
-              <a:rPr lang="zh-TW" altLang="en-US" dirty="0" smtClean="0"/>
+              <a:rPr lang="zh-TW" altLang="en-US" dirty="0"/>
               <a:t>執行檔案查看結果</a:t>
             </a:r>
-            <a:endParaRPr lang="zh-TW" altLang="en-US" dirty="0"/>
           </a:p>
         </p:txBody>
       </p:sp>
@@ -5553,11 +5329,7 @@
             </a:pPr>
             <a:r>
               <a:rPr lang="en-US" altLang="zh-TW" dirty="0"/>
-              <a:t>c</a:t>
-            </a:r>
-            <a:r>
-              <a:rPr lang="en-US" altLang="zh-TW" dirty="0" smtClean="0"/>
-              <a:t>d mnt</a:t>
+              <a:t>cd mnt</a:t>
             </a:r>
           </a:p>
           <a:p>
@@ -5565,15 +5337,15 @@
               <a:buNone/>
             </a:pPr>
             <a:r>
-              <a:rPr lang="en-US" altLang="zh-TW" dirty="0" smtClean="0"/>
+              <a:rPr lang="en-US" altLang="zh-TW" dirty="0"/>
               <a:t>./[.out</a:t>
             </a:r>
             <a:r>
-              <a:rPr lang="zh-TW" altLang="en-US" dirty="0" smtClean="0"/>
+              <a:rPr lang="zh-TW" altLang="en-US" dirty="0"/>
               <a:t>執行檔</a:t>
             </a:r>
             <a:r>
-              <a:rPr lang="en-US" altLang="zh-TW" dirty="0" smtClean="0"/>
+              <a:rPr lang="en-US" altLang="zh-TW" dirty="0"/>
               <a:t>]</a:t>
             </a:r>
           </a:p>
@@ -5582,7 +5354,7 @@
               <a:buNone/>
             </a:pPr>
             <a:r>
-              <a:rPr lang="en-US" altLang="zh-TW" dirty="0" smtClean="0"/>
+              <a:rPr lang="en-US" altLang="zh-TW" dirty="0"/>
               <a:t>(Ex : ./read.out)</a:t>
             </a:r>
             <a:endParaRPr lang="zh-TW" altLang="en-US" dirty="0"/>
@@ -5769,10 +5541,9 @@
           <a:lstStyle/>
           <a:p>
             <a:r>
-              <a:rPr lang="zh-TW" altLang="en-US" dirty="0" smtClean="0"/>
+              <a:rPr lang="zh-TW" altLang="en-US" dirty="0"/>
               <a:t>接上網路方法</a:t>
             </a:r>
-            <a:endParaRPr lang="zh-TW" altLang="en-US" dirty="0"/>
           </a:p>
         </p:txBody>
       </p:sp>
@@ -5806,7 +5577,7 @@
               <a:buNone/>
             </a:pPr>
             <a:r>
-              <a:rPr lang="en-US" altLang="zh-TW" sz="2500" dirty="0" smtClean="0"/>
+              <a:rPr lang="en-US" altLang="zh-TW" sz="2500" dirty="0"/>
               <a:t>Ex :</a:t>
             </a:r>
           </a:p>
@@ -5815,12 +5586,8 @@
               <a:buNone/>
             </a:pPr>
             <a:r>
-              <a:rPr lang="en-US" altLang="zh-TW" sz="2500" dirty="0" smtClean="0"/>
-              <a:t>ifconfig </a:t>
-            </a:r>
-            <a:r>
               <a:rPr lang="en-US" altLang="zh-TW" sz="2500" dirty="0"/>
-              <a:t>eth0 192.168.1.5 netmask 255.255.255.0</a:t>
+              <a:t>ifconfig eth0 192.168.1.5 netmask 255.255.255.0</a:t>
             </a:r>
           </a:p>
           <a:p>
@@ -5847,11 +5614,7 @@
             </a:pPr>
             <a:r>
               <a:rPr lang="en-US" altLang="zh-TW" sz="2500" dirty="0"/>
-              <a:t>route add default gw 192.168.1.1 netmask </a:t>
-            </a:r>
-            <a:r>
-              <a:rPr lang="en-US" altLang="zh-TW" sz="2500" dirty="0" smtClean="0"/>
-              <a:t>255.255.255.0</a:t>
+              <a:t>route add default gw 192.168.1.1 netmask 255.255.255.0</a:t>
             </a:r>
             <a:endParaRPr lang="en-US" altLang="zh-TW" dirty="0"/>
           </a:p>
@@ -6064,7 +5827,7 @@
               <a:buNone/>
             </a:pPr>
             <a:r>
-              <a:rPr lang="en-US" altLang="zh-TW" sz="2500" dirty="0" smtClean="0"/>
+              <a:rPr lang="en-US" altLang="zh-TW" sz="2500" dirty="0"/>
               <a:t>ifconfig eth0 [IP] netmask [mask]</a:t>
             </a:r>
           </a:p>
@@ -6073,7 +5836,7 @@
               <a:buNone/>
             </a:pPr>
             <a:r>
-              <a:rPr lang="en-US" altLang="zh-TW" sz="2500" dirty="0" smtClean="0"/>
+              <a:rPr lang="en-US" altLang="zh-TW" sz="2500" dirty="0"/>
               <a:t>route add default gw [router ip]</a:t>
             </a:r>
           </a:p>
@@ -6082,7 +5845,7 @@
               <a:buNone/>
             </a:pPr>
             <a:r>
-              <a:rPr lang="en-US" altLang="zh-TW" sz="2500" dirty="0" smtClean="0"/>
+              <a:rPr lang="en-US" altLang="zh-TW" sz="2500" dirty="0"/>
               <a:t>ifconfig lo 127.0.0.1</a:t>
             </a:r>
           </a:p>
@@ -6091,22 +5854,10 @@
               <a:buNone/>
             </a:pPr>
             <a:r>
-              <a:rPr lang="en-US" altLang="zh-TW" sz="2500" dirty="0" smtClean="0"/>
-              <a:t>route add default gw </a:t>
-            </a:r>
-            <a:r>
               <a:rPr lang="en-US" altLang="zh-TW" sz="2500" dirty="0"/>
-              <a:t>[router ip]</a:t>
-            </a:r>
-            <a:r>
-              <a:rPr lang="en-US" altLang="zh-TW" sz="2500" dirty="0" smtClean="0"/>
-              <a:t> netmask </a:t>
-            </a:r>
-            <a:r>
-              <a:rPr lang="en-US" altLang="zh-TW" sz="2500" dirty="0"/>
-              <a:t>[mask]</a:t>
-            </a:r>
-            <a:endParaRPr lang="en-US" altLang="zh-TW" dirty="0" smtClean="0"/>
+              <a:t>route add default gw [router ip] netmask [mask]</a:t>
+            </a:r>
+            <a:endParaRPr lang="en-US" altLang="zh-TW" dirty="0"/>
           </a:p>
           <a:p>
             <a:pPr marL="0" indent="0">
